--- a/topics/other/slide_qc.pptx
+++ b/topics/other/slide_qc.pptx
@@ -300,7 +300,7 @@
           <a:p>
             <a:fld id="{C3D4F295-D1F4-D54B-BA69-832D96C6432A}" type="datetimeFigureOut">
               <a:rPr lang="en-SE" smtClean="0"/>
-              <a:t>2023-02-01</a:t>
+              <a:t>2023-11-13</a:t>
             </a:fld>
             <a:endParaRPr lang="en-SE"/>
           </a:p>
@@ -399,7 +399,7 @@
           <a:p>
             <a:fld id="{1EC88F62-802F-2448-8EA8-1562273BBAF4}" type="datetimeFigureOut">
               <a:rPr lang="en-SE" smtClean="0"/>
-              <a:t>2023-02-01</a:t>
+              <a:t>2023-11-13</a:t>
             </a:fld>
             <a:endParaRPr lang="en-SE"/>
           </a:p>
@@ -990,7 +990,7 @@
           <a:p>
             <a:fld id="{72C6F449-D277-4F5F-868C-258B96FA25E8}" type="datetime1">
               <a:rPr lang="sv-SE" smtClean="0"/>
-              <a:t>2023-02-01</a:t>
+              <a:t>2023-11-13</a:t>
             </a:fld>
             <a:endParaRPr lang="en-SE"/>
           </a:p>
@@ -1263,7 +1263,7 @@
           <a:p>
             <a:fld id="{331A184D-EC2A-42CF-BFDD-6BB0D1A406D6}" type="datetime1">
               <a:rPr lang="sv-SE" smtClean="0"/>
-              <a:t>2023-02-01</a:t>
+              <a:t>2023-11-13</a:t>
             </a:fld>
             <a:endParaRPr lang="en-SE"/>
           </a:p>
@@ -1615,7 +1615,7 @@
           <a:p>
             <a:fld id="{63F4375E-D0BB-484E-BB65-0C97E5A096BA}" type="datetime1">
               <a:rPr lang="sv-SE" smtClean="0"/>
-              <a:t>2023-02-01</a:t>
+              <a:t>2023-11-13</a:t>
             </a:fld>
             <a:endParaRPr lang="en-SE"/>
           </a:p>
@@ -2127,7 +2127,7 @@
           <a:p>
             <a:fld id="{EB8731D7-AE9A-4B74-9E3E-70D57F5C262F}" type="datetime1">
               <a:rPr lang="sv-SE" smtClean="0"/>
-              <a:t>2023-02-01</a:t>
+              <a:t>2023-11-13</a:t>
             </a:fld>
             <a:endParaRPr lang="en-SE"/>
           </a:p>
@@ -2353,7 +2353,7 @@
           <a:p>
             <a:fld id="{A46F6930-A511-4331-9AA8-FDFE96660AB5}" type="datetime1">
               <a:rPr lang="sv-SE" smtClean="0"/>
-              <a:t>2023-02-01</a:t>
+              <a:t>2023-11-13</a:t>
             </a:fld>
             <a:endParaRPr lang="en-SE"/>
           </a:p>
@@ -2828,7 +2828,7 @@
           <a:p>
             <a:fld id="{7B27F70F-31FE-4EDB-8560-721477339942}" type="datetime1">
               <a:rPr lang="sv-SE" smtClean="0"/>
-              <a:t>2023-02-01</a:t>
+              <a:t>2023-11-13</a:t>
             </a:fld>
             <a:endParaRPr lang="en-SE"/>
           </a:p>
@@ -3198,7 +3198,7 @@
           <a:p>
             <a:fld id="{B8A32DAC-C0CB-4F2E-A5C0-4B88F82F9B53}" type="datetime1">
               <a:rPr lang="sv-SE" smtClean="0"/>
-              <a:t>2023-02-01</a:t>
+              <a:t>2023-11-13</a:t>
             </a:fld>
             <a:endParaRPr lang="en-SE"/>
           </a:p>
@@ -4113,7 +4113,7 @@
           <a:p>
             <a:fld id="{7A1977FE-36D4-477E-8D5A-DAC807E5B934}" type="datetime1">
               <a:rPr lang="sv-SE" smtClean="0"/>
-              <a:t>2023-02-01</a:t>
+              <a:t>2023-11-13</a:t>
             </a:fld>
             <a:endParaRPr lang="en-SE"/>
           </a:p>
@@ -4328,7 +4328,7 @@
           <a:p>
             <a:fld id="{D3D4EE72-F447-4E42-8AF8-E6853E2A635A}" type="datetime1">
               <a:rPr lang="sv-SE" smtClean="0"/>
-              <a:t>2023-02-01</a:t>
+              <a:t>2023-11-13</a:t>
             </a:fld>
             <a:endParaRPr lang="en-SE"/>
           </a:p>
@@ -4514,7 +4514,7 @@
           <a:p>
             <a:fld id="{444D7F79-C08F-4542-95AE-93D0F000E61A}" type="datetime1">
               <a:rPr lang="sv-SE" smtClean="0"/>
-              <a:t>2023-02-01</a:t>
+              <a:t>2023-11-13</a:t>
             </a:fld>
             <a:endParaRPr lang="en-SE"/>
           </a:p>
@@ -4700,7 +4700,7 @@
           <a:p>
             <a:fld id="{6C5F8363-FFA4-4395-89B6-66F99561E86D}" type="datetime1">
               <a:rPr lang="sv-SE" smtClean="0"/>
-              <a:t>2023-02-01</a:t>
+              <a:t>2023-11-13</a:t>
             </a:fld>
             <a:endParaRPr lang="en-SE"/>
           </a:p>
@@ -4995,7 +4995,7 @@
           <a:p>
             <a:fld id="{ED70A807-C129-4003-836F-83D7991FD614}" type="datetime1">
               <a:rPr lang="sv-SE" smtClean="0"/>
-              <a:t>2023-02-01</a:t>
+              <a:t>2023-11-13</a:t>
             </a:fld>
             <a:endParaRPr lang="en-SE"/>
           </a:p>
@@ -5183,7 +5183,7 @@
           <a:p>
             <a:fld id="{1967E772-D776-415A-9677-E192DF07C7AA}" type="datetime1">
               <a:rPr lang="sv-SE" smtClean="0"/>
-              <a:t>2023-02-01</a:t>
+              <a:t>2023-11-13</a:t>
             </a:fld>
             <a:endParaRPr lang="en-SE"/>
           </a:p>
@@ -5978,7 +5978,7 @@
           <a:p>
             <a:fld id="{601F1ECC-F0AB-4533-AD42-86D54C977707}" type="datetime1">
               <a:rPr lang="sv-SE" smtClean="0"/>
-              <a:t>2023-02-01</a:t>
+              <a:t>2023-11-13</a:t>
             </a:fld>
             <a:endParaRPr lang="en-SE"/>
           </a:p>
@@ -6305,7 +6305,7 @@
           <a:p>
             <a:fld id="{9EB36E7B-3104-41FF-817D-7754B7139E48}" type="datetime1">
               <a:rPr lang="sv-SE" smtClean="0"/>
-              <a:t>2023-02-01</a:t>
+              <a:t>2023-11-13</a:t>
             </a:fld>
             <a:endParaRPr lang="en-SE"/>
           </a:p>
@@ -6493,7 +6493,7 @@
           <a:p>
             <a:fld id="{63F94AF0-7C3E-4491-A8C1-66A4175149E4}" type="datetime1">
               <a:rPr lang="sv-SE" smtClean="0"/>
-              <a:t>2023-02-01</a:t>
+              <a:t>2023-11-13</a:t>
             </a:fld>
             <a:endParaRPr lang="en-SE"/>
           </a:p>
@@ -7009,7 +7009,7 @@
           <a:p>
             <a:fld id="{0EDCE6A3-74EA-495A-8D85-78EB7D3BB997}" type="datetime1">
               <a:rPr lang="sv-SE" smtClean="0"/>
-              <a:t>2023-02-01</a:t>
+              <a:t>2023-11-13</a:t>
             </a:fld>
             <a:endParaRPr lang="en-SE"/>
           </a:p>
@@ -7379,7 +7379,7 @@
           <a:p>
             <a:fld id="{C03CD859-3533-4235-95BD-AD6EB1C19890}" type="datetime1">
               <a:rPr lang="sv-SE" smtClean="0"/>
-              <a:t>2023-02-01</a:t>
+              <a:t>2023-11-13</a:t>
             </a:fld>
             <a:endParaRPr lang="en-SE"/>
           </a:p>
@@ -7640,7 +7640,7 @@
           <a:p>
             <a:fld id="{A60D7E14-8888-4D15-95B6-A08632391821}" type="datetime1">
               <a:rPr lang="sv-SE" smtClean="0"/>
-              <a:t>2023-02-01</a:t>
+              <a:t>2023-11-13</a:t>
             </a:fld>
             <a:endParaRPr lang="en-SE"/>
           </a:p>
@@ -7905,7 +7905,7 @@
           <a:p>
             <a:fld id="{BF0F2A9A-E178-491F-9765-89D0A21A6714}" type="datetime1">
               <a:rPr lang="sv-SE" smtClean="0"/>
-              <a:t>2023-02-01</a:t>
+              <a:t>2023-11-13</a:t>
             </a:fld>
             <a:endParaRPr lang="en-SE"/>
           </a:p>
@@ -8201,7 +8201,7 @@
           <a:p>
             <a:fld id="{E901362D-7532-4CDB-A3E8-B45AB8EBECDC}" type="datetime1">
               <a:rPr lang="sv-SE" smtClean="0"/>
-              <a:t>2023-02-01</a:t>
+              <a:t>2023-11-13</a:t>
             </a:fld>
             <a:endParaRPr lang="en-SE"/>
           </a:p>
@@ -8607,7 +8607,7 @@
           <a:p>
             <a:fld id="{B833A2B6-0235-4A3C-BBB3-5EE20C7671BD}" type="datetime1">
               <a:rPr lang="sv-SE" smtClean="0"/>
-              <a:t>2023-02-01</a:t>
+              <a:t>2023-11-13</a:t>
             </a:fld>
             <a:endParaRPr lang="en-SE"/>
           </a:p>
@@ -8966,7 +8966,7 @@
           <a:p>
             <a:fld id="{EDD13F0D-52B4-4109-BF99-2037F8BF6819}" type="datetime1">
               <a:rPr lang="sv-SE" smtClean="0"/>
-              <a:t>2023-02-01</a:t>
+              <a:t>2023-11-13</a:t>
             </a:fld>
             <a:endParaRPr lang="en-SE"/>
           </a:p>
@@ -9247,7 +9247,7 @@
           <a:p>
             <a:fld id="{1D804209-7EF1-4372-9096-C944EC7ED47F}" type="datetime1">
               <a:rPr lang="sv-SE" smtClean="0"/>
-              <a:t>2023-02-01</a:t>
+              <a:t>2023-11-13</a:t>
             </a:fld>
             <a:endParaRPr lang="en-SE"/>
           </a:p>
@@ -9599,7 +9599,7 @@
           <a:p>
             <a:fld id="{449F69B6-7F89-4E07-A5F1-19E8BAD82FA9}" type="datetime1">
               <a:rPr lang="sv-SE" smtClean="0"/>
-              <a:t>2023-02-01</a:t>
+              <a:t>2023-11-13</a:t>
             </a:fld>
             <a:endParaRPr lang="en-SE"/>
           </a:p>
@@ -10107,7 +10107,7 @@
           <a:p>
             <a:fld id="{AB511963-E822-49F5-A407-693111AC31BD}" type="datetime1">
               <a:rPr lang="sv-SE" smtClean="0"/>
-              <a:t>2023-02-01</a:t>
+              <a:t>2023-11-13</a:t>
             </a:fld>
             <a:endParaRPr lang="en-SE"/>
           </a:p>
@@ -10403,7 +10403,7 @@
           <a:p>
             <a:fld id="{4A2AC964-AB30-4B8F-A4A2-7A51D1BF2D09}" type="datetime1">
               <a:rPr lang="sv-SE" smtClean="0"/>
-              <a:t>2023-02-01</a:t>
+              <a:t>2023-11-13</a:t>
             </a:fld>
             <a:endParaRPr lang="en-SE"/>
           </a:p>
@@ -10844,7 +10844,7 @@
           <a:p>
             <a:fld id="{0D96B584-A8FB-42F4-B5BD-39BA93AEAA72}" type="datetime1">
               <a:rPr lang="sv-SE" smtClean="0"/>
-              <a:t>2023-02-01</a:t>
+              <a:t>2023-11-13</a:t>
             </a:fld>
             <a:endParaRPr lang="en-SE"/>
           </a:p>
@@ -11294,7 +11294,7 @@
           <a:p>
             <a:fld id="{37216967-6FF9-4502-85BB-54DDDEFAF232}" type="datetime1">
               <a:rPr lang="sv-SE" smtClean="0"/>
-              <a:t>2023-02-01</a:t>
+              <a:t>2023-11-13</a:t>
             </a:fld>
             <a:endParaRPr lang="en-SE"/>
           </a:p>
@@ -12185,7 +12185,7 @@
           <a:p>
             <a:fld id="{74820CA9-D4E8-4D17-BDE8-2426ECB9D2DD}" type="datetime1">
               <a:rPr lang="sv-SE" smtClean="0"/>
-              <a:t>2023-02-01</a:t>
+              <a:t>2023-11-13</a:t>
             </a:fld>
             <a:endParaRPr lang="en-SE"/>
           </a:p>
@@ -12396,7 +12396,7 @@
           <a:p>
             <a:fld id="{4CCD1350-2DEC-48B6-98C5-602C2781BE45}" type="datetime1">
               <a:rPr lang="sv-SE" smtClean="0"/>
-              <a:t>2023-02-01</a:t>
+              <a:t>2023-11-13</a:t>
             </a:fld>
             <a:endParaRPr lang="en-SE"/>
           </a:p>
@@ -12748,7 +12748,7 @@
           <a:p>
             <a:fld id="{F67B3C72-E7FA-4B64-B683-794DCA102CBA}" type="datetime1">
               <a:rPr lang="sv-SE" smtClean="0"/>
-              <a:t>2023-02-01</a:t>
+              <a:t>2023-11-13</a:t>
             </a:fld>
             <a:endParaRPr lang="en-SE"/>
           </a:p>
@@ -12936,7 +12936,7 @@
           <a:p>
             <a:fld id="{F851BF11-EC35-4831-AF84-4D7330E2EEAB}" type="datetime1">
               <a:rPr lang="sv-SE" smtClean="0"/>
-              <a:t>2023-02-01</a:t>
+              <a:t>2023-11-13</a:t>
             </a:fld>
             <a:endParaRPr lang="en-SE"/>
           </a:p>
@@ -13118,7 +13118,7 @@
           <a:p>
             <a:fld id="{A4327F4A-5893-4B25-8981-CD664523FAE5}" type="datetime1">
               <a:rPr lang="sv-SE" smtClean="0"/>
-              <a:t>2023-02-01</a:t>
+              <a:t>2023-11-13</a:t>
             </a:fld>
             <a:endParaRPr lang="en-SE"/>
           </a:p>
@@ -13300,7 +13300,7 @@
           <a:p>
             <a:fld id="{DEE96976-1C7B-42BA-AC7E-C7467F00F411}" type="datetime1">
               <a:rPr lang="sv-SE" smtClean="0"/>
-              <a:t>2023-02-01</a:t>
+              <a:t>2023-11-13</a:t>
             </a:fld>
             <a:endParaRPr lang="en-SE"/>
           </a:p>
@@ -13832,7 +13832,7 @@
           <a:p>
             <a:fld id="{A43A9D8E-04BF-43F4-90B7-C89EF2547A12}" type="datetime1">
               <a:rPr lang="sv-SE" smtClean="0"/>
-              <a:t>2023-02-01</a:t>
+              <a:t>2023-11-13</a:t>
             </a:fld>
             <a:endParaRPr lang="en-SE" dirty="0"/>
           </a:p>
@@ -14081,7 +14081,7 @@
           <a:p>
             <a:fld id="{551E62BB-5EED-4661-8E2F-1958381D9409}" type="datetime1">
               <a:rPr lang="sv-SE" smtClean="0"/>
-              <a:t>2023-02-01</a:t>
+              <a:t>2023-11-13</a:t>
             </a:fld>
             <a:endParaRPr lang="en-SE"/>
           </a:p>
@@ -14382,7 +14382,7 @@
           <a:p>
             <a:fld id="{6408EEAE-66ED-44AE-B37C-FD2C1E45C326}" type="datetime1">
               <a:rPr lang="sv-SE" smtClean="0"/>
-              <a:t>2023-02-01</a:t>
+              <a:t>2023-11-13</a:t>
             </a:fld>
             <a:endParaRPr lang="en-SE"/>
           </a:p>
@@ -14737,7 +14737,7 @@
           <a:p>
             <a:fld id="{6577E3BE-8C50-49F9-870C-A45F565924F9}" type="datetime1">
               <a:rPr lang="sv-SE" smtClean="0"/>
-              <a:t>2023-02-01</a:t>
+              <a:t>2023-11-13</a:t>
             </a:fld>
             <a:endParaRPr lang="en-SE"/>
           </a:p>
@@ -15100,7 +15100,7 @@
           <a:p>
             <a:fld id="{CDFC4D25-E039-42FB-9F83-88AA0D33893B}" type="datetime1">
               <a:rPr lang="sv-SE" smtClean="0"/>
-              <a:t>2023-02-01</a:t>
+              <a:t>2023-11-13</a:t>
             </a:fld>
             <a:endParaRPr lang="en-SE" dirty="0"/>
           </a:p>
@@ -15460,7 +15460,7 @@
           <a:p>
             <a:fld id="{8CA540C4-79C0-4C65-AAAD-34311DB5FFD6}" type="datetime1">
               <a:rPr lang="sv-SE" smtClean="0"/>
-              <a:t>2023-02-01</a:t>
+              <a:t>2023-11-13</a:t>
             </a:fld>
             <a:endParaRPr lang="en-SE" dirty="0"/>
           </a:p>
@@ -16087,7 +16087,7 @@
           <a:p>
             <a:fld id="{5B0BDD69-496E-4686-9229-1E679295E21B}" type="datetime1">
               <a:rPr lang="sv-SE" smtClean="0"/>
-              <a:t>2023-02-01</a:t>
+              <a:t>2023-11-13</a:t>
             </a:fld>
             <a:endParaRPr lang="en-SE"/>
           </a:p>
@@ -16556,42 +16556,6 @@
             <a:r>
               <a:rPr lang="en-GB" dirty="0"/>
               <a:t>Quality Control of NGS data</a:t>
-            </a:r>
-          </a:p>
-        </p:txBody>
-      </p:sp>
-      <p:sp>
-        <p:nvSpPr>
-          <p:cNvPr id="8" name="Platshållare för innehåll 7">
-            <a:extLst>
-              <a:ext uri="{FF2B5EF4-FFF2-40B4-BE49-F238E27FC236}">
-                <a16:creationId xmlns:a16="http://schemas.microsoft.com/office/drawing/2014/main" id="{36D0A602-77EA-FB40-B120-D7BDB3BFBB00}"/>
-              </a:ext>
-            </a:extLst>
-          </p:cNvPr>
-          <p:cNvSpPr>
-            <a:spLocks noGrp="1"/>
-          </p:cNvSpPr>
-          <p:nvPr>
-            <p:ph type="subTitle" idx="1"/>
-          </p:nvPr>
-        </p:nvSpPr>
-        <p:spPr>
-          <a:xfrm>
-            <a:off x="1524000" y="3932405"/>
-            <a:ext cx="9144000" cy="1655762"/>
-          </a:xfrm>
-        </p:spPr>
-        <p:txBody>
-          <a:bodyPr/>
-          <a:lstStyle/>
-          <a:p>
-            <a:pPr marL="0" indent="0">
-              <a:buNone/>
-            </a:pPr>
-            <a:r>
-              <a:rPr lang="en-GB" dirty="0"/>
-              <a:t>Markus Mayrhofer</a:t>
             </a:r>
           </a:p>
         </p:txBody>
